--- a/Communication Diagram/postcomunicate.pptx
+++ b/Communication Diagram/postcomunicate.pptx
@@ -105,6 +105,11 @@
       </a:defRPr>
     </a:lvl9pPr>
   </p:defaultTextStyle>
+  <p:extLst>
+    <p:ext uri="{EFAFB233-063F-42B5-8137-9DF3F51BA10A}">
+      <p15:sldGuideLst xmlns:p15="http://schemas.microsoft.com/office/powerpoint/2012/main"/>
+    </p:ext>
+  </p:extLst>
 </p:presentation>
 </file>
 
@@ -255,7 +260,7 @@
           <a:p>
             <a:fld id="{858986D6-C648-4714-A784-988ACAB3880C}" type="datetimeFigureOut">
               <a:rPr lang="en-US" smtClean="0"/>
-              <a:t>5/18/2025</a:t>
+              <a:t>5/20/2025</a:t>
             </a:fld>
             <a:endParaRPr lang="en-US"/>
           </a:p>
@@ -453,7 +458,7 @@
           <a:p>
             <a:fld id="{858986D6-C648-4714-A784-988ACAB3880C}" type="datetimeFigureOut">
               <a:rPr lang="en-US" smtClean="0"/>
-              <a:t>5/18/2025</a:t>
+              <a:t>5/20/2025</a:t>
             </a:fld>
             <a:endParaRPr lang="en-US"/>
           </a:p>
@@ -661,7 +666,7 @@
           <a:p>
             <a:fld id="{858986D6-C648-4714-A784-988ACAB3880C}" type="datetimeFigureOut">
               <a:rPr lang="en-US" smtClean="0"/>
-              <a:t>5/18/2025</a:t>
+              <a:t>5/20/2025</a:t>
             </a:fld>
             <a:endParaRPr lang="en-US"/>
           </a:p>
@@ -859,7 +864,7 @@
           <a:p>
             <a:fld id="{858986D6-C648-4714-A784-988ACAB3880C}" type="datetimeFigureOut">
               <a:rPr lang="en-US" smtClean="0"/>
-              <a:t>5/18/2025</a:t>
+              <a:t>5/20/2025</a:t>
             </a:fld>
             <a:endParaRPr lang="en-US"/>
           </a:p>
@@ -1134,7 +1139,7 @@
           <a:p>
             <a:fld id="{858986D6-C648-4714-A784-988ACAB3880C}" type="datetimeFigureOut">
               <a:rPr lang="en-US" smtClean="0"/>
-              <a:t>5/18/2025</a:t>
+              <a:t>5/20/2025</a:t>
             </a:fld>
             <a:endParaRPr lang="en-US"/>
           </a:p>
@@ -1399,7 +1404,7 @@
           <a:p>
             <a:fld id="{858986D6-C648-4714-A784-988ACAB3880C}" type="datetimeFigureOut">
               <a:rPr lang="en-US" smtClean="0"/>
-              <a:t>5/18/2025</a:t>
+              <a:t>5/20/2025</a:t>
             </a:fld>
             <a:endParaRPr lang="en-US"/>
           </a:p>
@@ -1811,7 +1816,7 @@
           <a:p>
             <a:fld id="{858986D6-C648-4714-A784-988ACAB3880C}" type="datetimeFigureOut">
               <a:rPr lang="en-US" smtClean="0"/>
-              <a:t>5/18/2025</a:t>
+              <a:t>5/20/2025</a:t>
             </a:fld>
             <a:endParaRPr lang="en-US"/>
           </a:p>
@@ -1952,7 +1957,7 @@
           <a:p>
             <a:fld id="{858986D6-C648-4714-A784-988ACAB3880C}" type="datetimeFigureOut">
               <a:rPr lang="en-US" smtClean="0"/>
-              <a:t>5/18/2025</a:t>
+              <a:t>5/20/2025</a:t>
             </a:fld>
             <a:endParaRPr lang="en-US"/>
           </a:p>
@@ -2065,7 +2070,7 @@
           <a:p>
             <a:fld id="{858986D6-C648-4714-A784-988ACAB3880C}" type="datetimeFigureOut">
               <a:rPr lang="en-US" smtClean="0"/>
-              <a:t>5/18/2025</a:t>
+              <a:t>5/20/2025</a:t>
             </a:fld>
             <a:endParaRPr lang="en-US"/>
           </a:p>
@@ -2376,7 +2381,7 @@
           <a:p>
             <a:fld id="{858986D6-C648-4714-A784-988ACAB3880C}" type="datetimeFigureOut">
               <a:rPr lang="en-US" smtClean="0"/>
-              <a:t>5/18/2025</a:t>
+              <a:t>5/20/2025</a:t>
             </a:fld>
             <a:endParaRPr lang="en-US"/>
           </a:p>
@@ -2664,7 +2669,7 @@
           <a:p>
             <a:fld id="{858986D6-C648-4714-A784-988ACAB3880C}" type="datetimeFigureOut">
               <a:rPr lang="en-US" smtClean="0"/>
-              <a:t>5/18/2025</a:t>
+              <a:t>5/20/2025</a:t>
             </a:fld>
             <a:endParaRPr lang="en-US"/>
           </a:p>
@@ -2905,7 +2910,7 @@
           <a:p>
             <a:fld id="{858986D6-C648-4714-A784-988ACAB3880C}" type="datetimeFigureOut">
               <a:rPr lang="en-US" smtClean="0"/>
-              <a:t>5/18/2025</a:t>
+              <a:t>5/20/2025</a:t>
             </a:fld>
             <a:endParaRPr lang="en-US"/>
           </a:p>
@@ -4914,8 +4919,8 @@
         </p:nvSpPr>
         <p:spPr>
           <a:xfrm>
-            <a:off x="8054714" y="1637257"/>
-            <a:ext cx="2019940" cy="369332"/>
+            <a:off x="8054713" y="1637257"/>
+            <a:ext cx="2355493" cy="369332"/>
           </a:xfrm>
           <a:prstGeom prst="rect">
             <a:avLst/>
@@ -4934,11 +4939,11 @@
             </a:r>
             <a:r>
               <a:rPr lang="en-US" dirty="0" err="1"/>
-              <a:t>CreateN</a:t>
+              <a:t>getNode</a:t>
             </a:r>
             <a:r>
               <a:rPr lang="en-US" dirty="0"/>
-              <a:t> ()</a:t>
+              <a:t> (post)</a:t>
             </a:r>
           </a:p>
         </p:txBody>
@@ -5191,8 +5196,8 @@
         </p:nvSpPr>
         <p:spPr>
           <a:xfrm>
-            <a:off x="8919783" y="3586856"/>
-            <a:ext cx="2019940" cy="369332"/>
+            <a:off x="8593660" y="3507924"/>
+            <a:ext cx="2317560" cy="369332"/>
           </a:xfrm>
           <a:prstGeom prst="rect">
             <a:avLst/>
@@ -5207,7 +5212,7 @@
           <a:p>
             <a:r>
               <a:rPr lang="en-US" dirty="0"/>
-              <a:t>1.8[S]: Validate()</a:t>
+              <a:t>1.8[S]: Validate(Post)</a:t>
             </a:r>
           </a:p>
         </p:txBody>
@@ -5308,7 +5313,7 @@
         <p:spPr>
           <a:xfrm>
             <a:off x="9675587" y="5495707"/>
-            <a:ext cx="2019940" cy="369332"/>
+            <a:ext cx="2458904" cy="369332"/>
           </a:xfrm>
           <a:prstGeom prst="rect">
             <a:avLst/>
@@ -5323,7 +5328,7 @@
           <a:p>
             <a:r>
               <a:rPr lang="en-US" dirty="0"/>
-              <a:t>1.9:addNode ()</a:t>
+              <a:t>1.9:create&amp;addNode ()</a:t>
             </a:r>
           </a:p>
         </p:txBody>
@@ -7577,8 +7582,8 @@
         </p:nvSpPr>
         <p:spPr>
           <a:xfrm>
-            <a:off x="8054714" y="1637257"/>
-            <a:ext cx="2019940" cy="369332"/>
+            <a:off x="8054713" y="1637257"/>
+            <a:ext cx="2371525" cy="369332"/>
           </a:xfrm>
           <a:prstGeom prst="rect">
             <a:avLst/>
@@ -7597,11 +7602,11 @@
             </a:r>
             <a:r>
               <a:rPr lang="en-US" dirty="0" err="1"/>
-              <a:t>CreateN</a:t>
+              <a:t>getNode</a:t>
             </a:r>
             <a:r>
               <a:rPr lang="en-US" dirty="0"/>
-              <a:t> ()</a:t>
+              <a:t> (post)</a:t>
             </a:r>
           </a:p>
         </p:txBody>
@@ -7935,8 +7940,8 @@
         </p:nvSpPr>
         <p:spPr>
           <a:xfrm>
-            <a:off x="9445785" y="5036077"/>
-            <a:ext cx="2019940" cy="369332"/>
+            <a:off x="9445784" y="5036077"/>
+            <a:ext cx="2792223" cy="369332"/>
           </a:xfrm>
           <a:prstGeom prst="rect">
             <a:avLst/>
@@ -7951,7 +7956,15 @@
           <a:p>
             <a:r>
               <a:rPr lang="en-US" dirty="0"/>
-              <a:t>1.8[S]:addNode ()</a:t>
+              <a:t>1.8[S]:</a:t>
+            </a:r>
+            <a:r>
+              <a:rPr lang="en-US" dirty="0" err="1"/>
+              <a:t>create&amp;addNode</a:t>
+            </a:r>
+            <a:r>
+              <a:rPr lang="en-US" dirty="0"/>
+              <a:t> ()</a:t>
             </a:r>
           </a:p>
         </p:txBody>
